--- a/diplom/ppt/Filipp.pptx
+++ b/diplom/ppt/Filipp.pptx
@@ -18,11 +18,13 @@
     <p:sldId id="284" r:id="rId11"/>
     <p:sldId id="286" r:id="rId12"/>
     <p:sldId id="283" r:id="rId13"/>
-    <p:sldId id="287" r:id="rId14"/>
-    <p:sldId id="290" r:id="rId15"/>
-    <p:sldId id="289" r:id="rId16"/>
-    <p:sldId id="288" r:id="rId17"/>
-    <p:sldId id="260" r:id="rId18"/>
+    <p:sldId id="295" r:id="rId14"/>
+    <p:sldId id="294" r:id="rId15"/>
+    <p:sldId id="288" r:id="rId16"/>
+    <p:sldId id="287" r:id="rId17"/>
+    <p:sldId id="290" r:id="rId18"/>
+    <p:sldId id="289" r:id="rId19"/>
+    <p:sldId id="260" r:id="rId20"/>
   </p:sldIdLst>
   <p:sldSz cx="12192000" cy="6858000"/>
   <p:notesSz cx="6858000" cy="9144000"/>
@@ -503,7 +505,7 @@
         <p:txBody>
           <a:bodyPr/>
           <a:p>
-            <a:endParaRPr lang="" altLang="en-US"/>
+            <a:endParaRPr lang="en-US" altLang="en-US"/>
           </a:p>
         </p:txBody>
       </p:sp>
@@ -1100,7 +1102,7 @@
         <p:txBody>
           <a:bodyPr/>
           <a:p>
-            <a:endParaRPr lang="" altLang="en-US"/>
+            <a:endParaRPr lang="en-US" altLang="en-US"/>
           </a:p>
         </p:txBody>
       </p:sp>
@@ -1166,111 +1168,111 @@
           <a:bodyPr/>
           <a:p>
             <a:r>
-              <a:rPr lang="x-none" altLang=""/>
+              <a:rPr lang="x-none" altLang="en-US"/>
               <a:t>binom.test - позволяет проверять гипотезу о равенстве вероятностей успеха в разных группах наблюдений или о равенстве вероятности успеха некоторому заданному числу (точный критерий).</a:t>
             </a:r>
-            <a:endParaRPr lang="x-none" altLang=""/>
-          </a:p>
-          <a:p>
-            <a:endParaRPr lang="x-none" altLang=""/>
-          </a:p>
-          <a:p>
-            <a:r>
-              <a:rPr lang="x-none" altLang=""/>
+            <a:endParaRPr lang="x-none" altLang="en-US"/>
+          </a:p>
+          <a:p>
+            <a:endParaRPr lang="x-none" altLang="en-US"/>
+          </a:p>
+          <a:p>
+            <a:r>
+              <a:rPr lang="x-none" altLang="en-US"/>
               <a:t>prop.test - позволяет проверять гипотезу о равенстве вероятностей успеха в разных группах наблюдений или о равенстве вероятности успеха некоторому заданному числу (нормальная аппроксимация).</a:t>
             </a:r>
-            <a:endParaRPr lang="x-none" altLang=""/>
-          </a:p>
-          <a:p>
-            <a:endParaRPr lang="x-none" altLang=""/>
-          </a:p>
-          <a:p>
-            <a:r>
-              <a:rPr lang="x-none" altLang=""/>
+            <a:endParaRPr lang="x-none" altLang="en-US"/>
+          </a:p>
+          <a:p>
+            <a:endParaRPr lang="x-none" altLang="en-US"/>
+          </a:p>
+          <a:p>
+            <a:r>
+              <a:rPr lang="x-none" altLang="en-US"/>
               <a:t>wolcox.test - Выполняет одно- и двухкаскадные тесты Уилкоксона по векторам данных</a:t>
             </a:r>
-            <a:endParaRPr lang="x-none" altLang=""/>
-          </a:p>
-          <a:p>
-            <a:endParaRPr lang="x-none" altLang=""/>
-          </a:p>
-          <a:p>
-            <a:r>
-              <a:rPr lang="x-none" altLang=""/>
+            <a:endParaRPr lang="x-none" altLang="en-US"/>
+          </a:p>
+          <a:p>
+            <a:endParaRPr lang="x-none" altLang="en-US"/>
+          </a:p>
+          <a:p>
+            <a:r>
+              <a:rPr lang="x-none" altLang="en-US"/>
               <a:t>mood.test - Выполняет двух выборочный тест Mood для разницы в параметрах масштаба.</a:t>
             </a:r>
-            <a:endParaRPr lang="x-none" altLang=""/>
-          </a:p>
-          <a:p>
-            <a:endParaRPr lang="x-none" altLang=""/>
-          </a:p>
-          <a:p>
-            <a:r>
-              <a:rPr lang="x-none" altLang=""/>
+            <a:endParaRPr lang="x-none" altLang="en-US"/>
+          </a:p>
+          <a:p>
+            <a:endParaRPr lang="x-none" altLang="en-US"/>
+          </a:p>
+          <a:p>
+            <a:r>
+              <a:rPr lang="x-none" altLang="en-US"/>
               <a:t>kruskal.test - выполняет критерий суммирования ранга Крускал-Уоллиса нулевого значения</a:t>
             </a:r>
-            <a:endParaRPr lang="x-none" altLang=""/>
-          </a:p>
-          <a:p>
-            <a:endParaRPr lang="x-none" altLang=""/>
-          </a:p>
-          <a:p>
-            <a:r>
-              <a:rPr lang="x-none" altLang=""/>
+            <a:endParaRPr lang="x-none" altLang="en-US"/>
+          </a:p>
+          <a:p>
+            <a:endParaRPr lang="x-none" altLang="en-US"/>
+          </a:p>
+          <a:p>
+            <a:r>
+              <a:rPr lang="x-none" altLang="en-US"/>
               <a:t>cor - Вычисляет выборочный коэффициент корреляции</a:t>
             </a:r>
-            <a:endParaRPr lang="x-none" altLang=""/>
-          </a:p>
-          <a:p>
-            <a:endParaRPr lang="x-none" altLang=""/>
-          </a:p>
-          <a:p>
-            <a:r>
-              <a:rPr lang="x-none" altLang=""/>
+            <a:endParaRPr lang="x-none" altLang="en-US"/>
+          </a:p>
+          <a:p>
+            <a:endParaRPr lang="x-none" altLang="en-US"/>
+          </a:p>
+          <a:p>
+            <a:r>
+              <a:rPr lang="x-none" altLang="en-US"/>
               <a:t>mcnemar.test - Выполняет хи-квадрат теста МакНемара для симметрии строк и столбцов в двумерной таблице непредвиденных ситуаций.</a:t>
             </a:r>
-            <a:endParaRPr lang="x-none" altLang=""/>
-          </a:p>
-          <a:p>
-            <a:endParaRPr lang="x-none" altLang=""/>
-          </a:p>
-          <a:p>
-            <a:r>
-              <a:rPr lang="x-none" altLang=""/>
+            <a:endParaRPr lang="x-none" altLang="en-US"/>
+          </a:p>
+          <a:p>
+            <a:endParaRPr lang="x-none" altLang="en-US"/>
+          </a:p>
+          <a:p>
+            <a:r>
+              <a:rPr lang="x-none" altLang="en-US"/>
               <a:t>pbinom - Возвращает кумулятивную биномиальную вероятность, т.е функцию распределения F(x).</a:t>
             </a:r>
-            <a:endParaRPr lang="x-none" altLang=""/>
-          </a:p>
-          <a:p>
-            <a:r>
-              <a:rPr lang="x-none" altLang=""/>
+            <a:endParaRPr lang="x-none" altLang="en-US"/>
+          </a:p>
+          <a:p>
+            <a:r>
+              <a:rPr lang="x-none" altLang="en-US"/>
               <a:t>pnorm - Возвращает кумулятивную нормальную вероятность, т.е функцию распределения F(x).</a:t>
             </a:r>
-            <a:endParaRPr lang="x-none" altLang=""/>
-          </a:p>
-          <a:p>
-            <a:r>
-              <a:rPr lang="x-none" altLang=""/>
+            <a:endParaRPr lang="x-none" altLang="en-US"/>
+          </a:p>
+          <a:p>
+            <a:r>
+              <a:rPr lang="x-none" altLang="en-US"/>
               <a:t>qbinom -Возвращает квантили биномиального распределения, т.е. минимальное x, для которого F(x) &gt; p.</a:t>
             </a:r>
-            <a:endParaRPr lang="x-none" altLang=""/>
-          </a:p>
-          <a:p>
-            <a:r>
-              <a:rPr lang="x-none" altLang=""/>
+            <a:endParaRPr lang="x-none" altLang="en-US"/>
+          </a:p>
+          <a:p>
+            <a:r>
+              <a:rPr lang="x-none" altLang="en-US"/>
               <a:t>qchisq - Возвращает хи квадрат.</a:t>
             </a:r>
-            <a:endParaRPr lang="x-none" altLang=""/>
-          </a:p>
-          <a:p>
-            <a:r>
-              <a:rPr lang="x-none" altLang=""/>
+            <a:endParaRPr lang="x-none" altLang="en-US"/>
+          </a:p>
+          <a:p>
+            <a:r>
+              <a:rPr lang="x-none" altLang="en-US"/>
               <a:t>qnorm - Возвращает кумулятивную нормальную вероятность, т.е функцию распределения F(x).</a:t>
             </a:r>
-            <a:endParaRPr lang="x-none" altLang=""/>
-          </a:p>
-          <a:p>
-            <a:endParaRPr lang="x-none" altLang=""/>
+            <a:endParaRPr lang="x-none" altLang="en-US"/>
+          </a:p>
+          <a:p>
+            <a:endParaRPr lang="x-none" altLang="en-US"/>
           </a:p>
         </p:txBody>
       </p:sp>
@@ -1335,7 +1337,7 @@
         <p:txBody>
           <a:bodyPr/>
           <a:p>
-            <a:endParaRPr lang="" altLang="en-US"/>
+            <a:endParaRPr lang="en-US" altLang="en-US"/>
           </a:p>
         </p:txBody>
       </p:sp>
@@ -7411,10 +7413,10 @@
           <a:bodyPr/>
           <a:p>
             <a:r>
-              <a:rPr lang="x-none" altLang=""/>
+              <a:rPr lang="x-none" altLang="en-US"/>
               <a:t>Общий вид приложения</a:t>
             </a:r>
-            <a:endParaRPr lang="x-none" altLang=""/>
+            <a:endParaRPr lang="x-none" altLang="en-US"/>
           </a:p>
         </p:txBody>
       </p:sp>
@@ -7462,6 +7464,134 @@
       <p:grpSpPr/>
       <p:pic>
         <p:nvPicPr>
+          <p:cNvPr id="2" name="Picture 1" descr="wilcox"/>
+          <p:cNvPicPr>
+            <a:picLocks noChangeAspect="1"/>
+          </p:cNvPicPr>
+          <p:nvPr/>
+        </p:nvPicPr>
+        <p:blipFill>
+          <a:blip r:embed="rId1"/>
+          <a:stretch>
+            <a:fillRect/>
+          </a:stretch>
+        </p:blipFill>
+        <p:spPr>
+          <a:xfrm>
+            <a:off x="302260" y="23495"/>
+            <a:ext cx="11590655" cy="6814185"/>
+          </a:xfrm>
+          <a:prstGeom prst="rect">
+            <a:avLst/>
+          </a:prstGeom>
+        </p:spPr>
+      </p:pic>
+    </p:spTree>
+  </p:cSld>
+  <p:clrMapOvr>
+    <a:masterClrMapping/>
+  </p:clrMapOvr>
+</p:sld>
+</file>
+
+<file path=ppt/slides/slide12.xml><?xml version="1.0" encoding="utf-8"?>
+<p:sld xmlns:a="http://schemas.openxmlformats.org/drawingml/2006/main" xmlns:r="http://schemas.openxmlformats.org/officeDocument/2006/relationships" xmlns:p="http://schemas.openxmlformats.org/presentationml/2006/main">
+  <p:cSld>
+    <p:spTree>
+      <p:nvGrpSpPr>
+        <p:cNvPr id="1" name=""/>
+        <p:cNvGrpSpPr/>
+        <p:nvPr/>
+      </p:nvGrpSpPr>
+      <p:grpSpPr/>
+      <p:pic>
+        <p:nvPicPr>
+          <p:cNvPr id="4" name="Picture 3" descr="kruskal"/>
+          <p:cNvPicPr>
+            <a:picLocks noChangeAspect="1"/>
+          </p:cNvPicPr>
+          <p:nvPr/>
+        </p:nvPicPr>
+        <p:blipFill>
+          <a:blip r:embed="rId1"/>
+          <a:stretch>
+            <a:fillRect/>
+          </a:stretch>
+        </p:blipFill>
+        <p:spPr>
+          <a:xfrm>
+            <a:off x="15240" y="1710690"/>
+            <a:ext cx="12163425" cy="3345815"/>
+          </a:xfrm>
+          <a:prstGeom prst="rect">
+            <a:avLst/>
+          </a:prstGeom>
+        </p:spPr>
+      </p:pic>
+    </p:spTree>
+  </p:cSld>
+  <p:clrMapOvr>
+    <a:masterClrMapping/>
+  </p:clrMapOvr>
+</p:sld>
+</file>
+
+<file path=ppt/slides/slide13.xml><?xml version="1.0" encoding="utf-8"?>
+<p:sld xmlns:a="http://schemas.openxmlformats.org/drawingml/2006/main" xmlns:r="http://schemas.openxmlformats.org/officeDocument/2006/relationships" xmlns:p="http://schemas.openxmlformats.org/presentationml/2006/main">
+  <p:cSld>
+    <p:spTree>
+      <p:nvGrpSpPr>
+        <p:cNvPr id="1" name=""/>
+        <p:cNvGrpSpPr/>
+        <p:nvPr/>
+      </p:nvGrpSpPr>
+      <p:grpSpPr/>
+      <p:pic>
+        <p:nvPicPr>
+          <p:cNvPr id="9" name="Content Placeholder 8" descr="npsw15"/>
+          <p:cNvPicPr>
+            <a:picLocks noChangeAspect="1"/>
+          </p:cNvPicPr>
+          <p:nvPr>
+            <p:ph idx="1"/>
+          </p:nvPr>
+        </p:nvPicPr>
+        <p:blipFill>
+          <a:blip r:embed="rId1"/>
+          <a:stretch>
+            <a:fillRect/>
+          </a:stretch>
+        </p:blipFill>
+        <p:spPr>
+          <a:xfrm>
+            <a:off x="20320" y="1468755"/>
+            <a:ext cx="12160885" cy="4285615"/>
+          </a:xfrm>
+          <a:prstGeom prst="rect">
+            <a:avLst/>
+          </a:prstGeom>
+        </p:spPr>
+      </p:pic>
+    </p:spTree>
+  </p:cSld>
+  <p:clrMapOvr>
+    <a:masterClrMapping/>
+  </p:clrMapOvr>
+</p:sld>
+</file>
+
+<file path=ppt/slides/slide14.xml><?xml version="1.0" encoding="utf-8"?>
+<p:sld xmlns:a="http://schemas.openxmlformats.org/drawingml/2006/main" xmlns:r="http://schemas.openxmlformats.org/officeDocument/2006/relationships" xmlns:p="http://schemas.openxmlformats.org/presentationml/2006/main">
+  <p:cSld>
+    <p:spTree>
+      <p:nvGrpSpPr>
+        <p:cNvPr id="1" name=""/>
+        <p:cNvGrpSpPr/>
+        <p:nvPr/>
+      </p:nvGrpSpPr>
+      <p:grpSpPr/>
+      <p:pic>
+        <p:nvPicPr>
           <p:cNvPr id="7" name="Picture 6" descr="npsw13"/>
           <p:cNvPicPr>
             <a:picLocks noChangeAspect="1"/>
@@ -7492,7 +7622,7 @@
 </p:sld>
 </file>
 
-<file path=ppt/slides/slide12.xml><?xml version="1.0" encoding="utf-8"?>
+<file path=ppt/slides/slide15.xml><?xml version="1.0" encoding="utf-8"?>
 <p:sld xmlns:a="http://schemas.openxmlformats.org/drawingml/2006/main" xmlns:r="http://schemas.openxmlformats.org/officeDocument/2006/relationships" xmlns:p="http://schemas.openxmlformats.org/presentationml/2006/main">
   <p:cSld>
     <p:spTree>
@@ -7536,7 +7666,7 @@
 </p:sld>
 </file>
 
-<file path=ppt/slides/slide13.xml><?xml version="1.0" encoding="utf-8"?>
+<file path=ppt/slides/slide16.xml><?xml version="1.0" encoding="utf-8"?>
 <p:sld xmlns:a="http://schemas.openxmlformats.org/drawingml/2006/main" xmlns:r="http://schemas.openxmlformats.org/officeDocument/2006/relationships" xmlns:p="http://schemas.openxmlformats.org/presentationml/2006/main">
   <p:cSld>
     <p:spTree>
@@ -7580,51 +7710,7 @@
 </p:sld>
 </file>
 
-<file path=ppt/slides/slide14.xml><?xml version="1.0" encoding="utf-8"?>
-<p:sld xmlns:a="http://schemas.openxmlformats.org/drawingml/2006/main" xmlns:r="http://schemas.openxmlformats.org/officeDocument/2006/relationships" xmlns:p="http://schemas.openxmlformats.org/presentationml/2006/main">
-  <p:cSld>
-    <p:spTree>
-      <p:nvGrpSpPr>
-        <p:cNvPr id="1" name=""/>
-        <p:cNvGrpSpPr/>
-        <p:nvPr/>
-      </p:nvGrpSpPr>
-      <p:grpSpPr/>
-      <p:pic>
-        <p:nvPicPr>
-          <p:cNvPr id="9" name="Content Placeholder 8" descr="npsw15"/>
-          <p:cNvPicPr>
-            <a:picLocks noChangeAspect="1"/>
-          </p:cNvPicPr>
-          <p:nvPr>
-            <p:ph idx="1"/>
-          </p:nvPr>
-        </p:nvPicPr>
-        <p:blipFill>
-          <a:blip r:embed="rId1"/>
-          <a:stretch>
-            <a:fillRect/>
-          </a:stretch>
-        </p:blipFill>
-        <p:spPr>
-          <a:xfrm>
-            <a:off x="20320" y="1468755"/>
-            <a:ext cx="12160885" cy="4285615"/>
-          </a:xfrm>
-          <a:prstGeom prst="rect">
-            <a:avLst/>
-          </a:prstGeom>
-        </p:spPr>
-      </p:pic>
-    </p:spTree>
-  </p:cSld>
-  <p:clrMapOvr>
-    <a:masterClrMapping/>
-  </p:clrMapOvr>
-</p:sld>
-</file>
-
-<file path=ppt/slides/slide15.xml><?xml version="1.0" encoding="utf-8"?>
+<file path=ppt/slides/slide17.xml><?xml version="1.0" encoding="utf-8"?>
 <p:sld xmlns:a="http://schemas.openxmlformats.org/drawingml/2006/main" xmlns:r="http://schemas.openxmlformats.org/officeDocument/2006/relationships" xmlns:p="http://schemas.openxmlformats.org/presentationml/2006/main">
   <p:cSld>
     <p:spTree>
@@ -8112,10 +8198,10 @@
           </a:bodyPr>
           <a:p>
             <a:r>
-              <a:rPr lang="x-none" altLang=""/>
+              <a:rPr lang="x-none" altLang="en-US"/>
               <a:t>Алгоритм запуска приложения</a:t>
             </a:r>
-            <a:endParaRPr lang="x-none" altLang=""/>
+            <a:endParaRPr lang="x-none" altLang="en-US"/>
           </a:p>
         </p:txBody>
       </p:sp>
@@ -8153,10 +8239,10 @@
           <a:p>
             <a:pPr algn="ctr"/>
             <a:r>
-              <a:rPr lang="x-none" altLang="" sz="4000"/>
+              <a:rPr lang="x-none" altLang="en-US" sz="4000"/>
               <a:t>Пользовательский интерфейс</a:t>
             </a:r>
-            <a:endParaRPr lang="x-none" altLang="" sz="4000"/>
+            <a:endParaRPr lang="x-none" altLang="en-US" sz="4000"/>
           </a:p>
         </p:txBody>
       </p:sp>
@@ -8235,10 +8321,10 @@
           <a:p>
             <a:pPr algn="ctr"/>
             <a:r>
-              <a:rPr lang="x-none" altLang="" sz="4000"/>
+              <a:rPr lang="x-none" altLang="en-US" sz="4000"/>
               <a:t>API</a:t>
             </a:r>
-            <a:endParaRPr lang="x-none" altLang="" sz="4000"/>
+            <a:endParaRPr lang="x-none" altLang="en-US" sz="4000"/>
           </a:p>
         </p:txBody>
       </p:sp>
@@ -8583,7 +8669,7 @@
           <a:bodyPr rtlCol="0" anchor="ctr"/>
           <a:p>
             <a:pPr algn="ctr"/>
-            <a:endParaRPr lang="" altLang="en-US"/>
+            <a:endParaRPr lang="en-US" altLang="en-US"/>
           </a:p>
         </p:txBody>
       </p:sp>
@@ -8817,7 +8903,7 @@
           <a:bodyPr rtlCol="0" anchor="ctr"/>
           <a:p>
             <a:pPr algn="ctr"/>
-            <a:endParaRPr lang="" altLang="en-US"/>
+            <a:endParaRPr lang="en-US" altLang="en-US"/>
           </a:p>
         </p:txBody>
       </p:sp>
@@ -8898,10 +8984,10 @@
           <a:bodyPr/>
           <a:p>
             <a:r>
-              <a:rPr lang="x-none" altLang=""/>
+              <a:rPr lang="x-none" altLang="en-US"/>
               <a:t>Реализованные функции</a:t>
             </a:r>
-            <a:endParaRPr lang="x-none" altLang=""/>
+            <a:endParaRPr lang="x-none" altLang="en-US"/>
           </a:p>
         </p:txBody>
       </p:sp>
